--- a/My First Experience In Nairobi.pptx
+++ b/My First Experience In Nairobi.pptx
@@ -287,7 +287,7 @@
           <a:p>
             <a:fld id="{48A87A34-81AB-432B-8DAE-1953F412C126}" type="datetimeFigureOut">
               <a:rPr lang="en-US" dirty="0"/>
-              <a:t>2/18/2020</a:t>
+              <a:t>3/2/2020</a:t>
             </a:fld>
             <a:endParaRPr lang="en-US" dirty="0"/>
           </a:p>
@@ -549,7 +549,7 @@
           <a:p>
             <a:fld id="{48A87A34-81AB-432B-8DAE-1953F412C126}" type="datetimeFigureOut">
               <a:rPr lang="en-US" dirty="0"/>
-              <a:t>2/18/2020</a:t>
+              <a:t>3/2/2020</a:t>
             </a:fld>
             <a:endParaRPr lang="en-US" dirty="0"/>
           </a:p>
@@ -776,7 +776,7 @@
             <a:fld id="{48A87A34-81AB-432B-8DAE-1953F412C126}" type="datetimeFigureOut">
               <a:rPr lang="en-US" dirty="0"/>
               <a:pPr/>
-              <a:t>2/18/2020</a:t>
+              <a:t>3/2/2020</a:t>
             </a:fld>
             <a:endParaRPr lang="en-US" dirty="0"/>
           </a:p>
@@ -1082,7 +1082,7 @@
             <a:fld id="{48A87A34-81AB-432B-8DAE-1953F412C126}" type="datetimeFigureOut">
               <a:rPr lang="en-US" dirty="0"/>
               <a:pPr/>
-              <a:t>2/18/2020</a:t>
+              <a:t>3/2/2020</a:t>
             </a:fld>
             <a:endParaRPr lang="en-US" dirty="0"/>
           </a:p>
@@ -1551,7 +1551,7 @@
             <a:fld id="{48A87A34-81AB-432B-8DAE-1953F412C126}" type="datetimeFigureOut">
               <a:rPr lang="en-US" dirty="0"/>
               <a:pPr/>
-              <a:t>2/18/2020</a:t>
+              <a:t>3/2/2020</a:t>
             </a:fld>
             <a:endParaRPr lang="en-US" dirty="0"/>
           </a:p>
@@ -2093,7 +2093,7 @@
           <a:p>
             <a:fld id="{48A87A34-81AB-432B-8DAE-1953F412C126}" type="datetimeFigureOut">
               <a:rPr lang="en-US" dirty="0"/>
-              <a:t>2/18/2020</a:t>
+              <a:t>3/2/2020</a:t>
             </a:fld>
             <a:endParaRPr lang="en-US" dirty="0"/>
           </a:p>
@@ -2862,7 +2862,7 @@
           <a:p>
             <a:fld id="{48A87A34-81AB-432B-8DAE-1953F412C126}" type="datetimeFigureOut">
               <a:rPr lang="en-US" dirty="0"/>
-              <a:t>2/18/2020</a:t>
+              <a:t>3/2/2020</a:t>
             </a:fld>
             <a:endParaRPr lang="en-US" dirty="0"/>
           </a:p>
@@ -3032,7 +3032,7 @@
           <a:p>
             <a:fld id="{48A87A34-81AB-432B-8DAE-1953F412C126}" type="datetimeFigureOut">
               <a:rPr lang="en-US" dirty="0"/>
-              <a:t>2/18/2020</a:t>
+              <a:t>3/2/2020</a:t>
             </a:fld>
             <a:endParaRPr lang="en-US" dirty="0"/>
           </a:p>
@@ -3251,7 +3251,7 @@
             <a:fld id="{48A87A34-81AB-432B-8DAE-1953F412C126}" type="datetimeFigureOut">
               <a:rPr lang="en-US" dirty="0"/>
               <a:pPr/>
-              <a:t>2/18/2020</a:t>
+              <a:t>3/2/2020</a:t>
             </a:fld>
             <a:endParaRPr lang="en-US" dirty="0"/>
           </a:p>
@@ -3426,7 +3426,7 @@
           <a:p>
             <a:fld id="{48A87A34-81AB-432B-8DAE-1953F412C126}" type="datetimeFigureOut">
               <a:rPr lang="en-US" dirty="0"/>
-              <a:t>2/18/2020</a:t>
+              <a:t>3/2/2020</a:t>
             </a:fld>
             <a:endParaRPr lang="en-US" dirty="0"/>
           </a:p>
@@ -3711,7 +3711,7 @@
             <a:fld id="{48A87A34-81AB-432B-8DAE-1953F412C126}" type="datetimeFigureOut">
               <a:rPr lang="en-US" dirty="0"/>
               <a:pPr/>
-              <a:t>2/18/2020</a:t>
+              <a:t>3/2/2020</a:t>
             </a:fld>
             <a:endParaRPr lang="en-US" dirty="0"/>
           </a:p>
@@ -3948,7 +3948,7 @@
           <a:p>
             <a:fld id="{48A87A34-81AB-432B-8DAE-1953F412C126}" type="datetimeFigureOut">
               <a:rPr lang="en-US" dirty="0"/>
-              <a:t>2/18/2020</a:t>
+              <a:t>3/2/2020</a:t>
             </a:fld>
             <a:endParaRPr lang="en-US" dirty="0"/>
           </a:p>
@@ -4322,7 +4322,7 @@
           <a:p>
             <a:fld id="{48A87A34-81AB-432B-8DAE-1953F412C126}" type="datetimeFigureOut">
               <a:rPr lang="en-US" dirty="0"/>
-              <a:t>2/18/2020</a:t>
+              <a:t>3/2/2020</a:t>
             </a:fld>
             <a:endParaRPr lang="en-US" dirty="0"/>
           </a:p>
@@ -4435,7 +4435,7 @@
           <a:p>
             <a:fld id="{48A87A34-81AB-432B-8DAE-1953F412C126}" type="datetimeFigureOut">
               <a:rPr lang="en-US" dirty="0"/>
-              <a:t>2/18/2020</a:t>
+              <a:t>3/2/2020</a:t>
             </a:fld>
             <a:endParaRPr lang="en-US" dirty="0"/>
           </a:p>
@@ -4525,7 +4525,7 @@
           <a:p>
             <a:fld id="{48A87A34-81AB-432B-8DAE-1953F412C126}" type="datetimeFigureOut">
               <a:rPr lang="en-US" dirty="0"/>
-              <a:t>2/18/2020</a:t>
+              <a:t>3/2/2020</a:t>
             </a:fld>
             <a:endParaRPr lang="en-US" dirty="0"/>
           </a:p>
@@ -4769,7 +4769,7 @@
           <a:p>
             <a:fld id="{48A87A34-81AB-432B-8DAE-1953F412C126}" type="datetimeFigureOut">
               <a:rPr lang="en-US" dirty="0"/>
-              <a:t>2/18/2020</a:t>
+              <a:t>3/2/2020</a:t>
             </a:fld>
             <a:endParaRPr lang="en-US" dirty="0"/>
           </a:p>
@@ -5021,7 +5021,7 @@
           <a:p>
             <a:fld id="{48A87A34-81AB-432B-8DAE-1953F412C126}" type="datetimeFigureOut">
               <a:rPr lang="en-US" dirty="0"/>
-              <a:t>2/18/2020</a:t>
+              <a:t>3/2/2020</a:t>
             </a:fld>
             <a:endParaRPr lang="en-US" dirty="0"/>
           </a:p>
@@ -5260,7 +5260,7 @@
             <a:fld id="{48A87A34-81AB-432B-8DAE-1953F412C126}" type="datetimeFigureOut">
               <a:rPr lang="en-US" dirty="0"/>
               <a:pPr/>
-              <a:t>2/18/2020</a:t>
+              <a:t>3/2/2020</a:t>
             </a:fld>
             <a:endParaRPr lang="en-US" dirty="0"/>
           </a:p>
@@ -5690,7 +5690,31 @@
                   <a:schemeClr val="accent6"/>
                 </a:solidFill>
               </a:rPr>
-              <a:t>My First Experience In Nairobi</a:t>
+              <a:t>My </a:t>
+            </a:r>
+            <a:r>
+              <a:rPr lang="en-US" sz="4800" b="1" cap="none" smtClean="0">
+                <a:solidFill>
+                  <a:schemeClr val="accent6"/>
+                </a:solidFill>
+              </a:rPr>
+              <a:t>First </a:t>
+            </a:r>
+            <a:r>
+              <a:rPr lang="en-US" sz="4800" b="1" cap="none" smtClean="0">
+                <a:solidFill>
+                  <a:schemeClr val="accent6"/>
+                </a:solidFill>
+              </a:rPr>
+              <a:t>experience </a:t>
+            </a:r>
+            <a:r>
+              <a:rPr lang="en-US" sz="4800" b="1" cap="none" dirty="0" smtClean="0">
+                <a:solidFill>
+                  <a:schemeClr val="accent6"/>
+                </a:solidFill>
+              </a:rPr>
+              <a:t>In Nairobi</a:t>
             </a:r>
             <a:endParaRPr lang="en-US" sz="4800" b="1" cap="none" dirty="0">
               <a:solidFill>
